--- a/Slides/4. Datatypes/Collections/Generic Collection/LIST.pptx
+++ b/Slides/4. Datatypes/Collections/Generic Collection/LIST.pptx
@@ -5,7 +5,7 @@
     <p:sldMasterId id="2147483648" r:id="rId1"/>
   </p:sldMasterIdLst>
   <p:notesMasterIdLst>
-    <p:notesMasterId r:id="rId30"/>
+    <p:notesMasterId r:id="rId39"/>
   </p:notesMasterIdLst>
   <p:sldIdLst>
     <p:sldId id="257" r:id="rId2"/>
@@ -36,6 +36,15 @@
     <p:sldId id="372" r:id="rId27"/>
     <p:sldId id="369" r:id="rId28"/>
     <p:sldId id="370" r:id="rId29"/>
+    <p:sldId id="375" r:id="rId30"/>
+    <p:sldId id="374" r:id="rId31"/>
+    <p:sldId id="376" r:id="rId32"/>
+    <p:sldId id="377" r:id="rId33"/>
+    <p:sldId id="379" r:id="rId34"/>
+    <p:sldId id="378" r:id="rId35"/>
+    <p:sldId id="380" r:id="rId36"/>
+    <p:sldId id="381" r:id="rId37"/>
+    <p:sldId id="382" r:id="rId38"/>
   </p:sldIdLst>
   <p:sldSz cx="12192000" cy="6858000"/>
   <p:notesSz cx="6858000" cy="9144000"/>
@@ -134,6 +143,11 @@
       </a:defRPr>
     </a:lvl9pPr>
   </p:defaultTextStyle>
+  <p:extLst>
+    <p:ext uri="{EFAFB233-063F-42B5-8137-9DF3F51BA10A}">
+      <p15:sldGuideLst xmlns:p15="http://schemas.microsoft.com/office/powerpoint/2012/main"/>
+    </p:ext>
+  </p:extLst>
 </p:presentation>
 </file>
 
@@ -219,7 +233,7 @@
           <a:p>
             <a:fld id="{C0F7F98E-D808-407B-9EFB-1886549FECD7}" type="datetimeFigureOut">
               <a:rPr lang="en-US" smtClean="0"/>
-              <a:t>6/24/2023</a:t>
+              <a:t>6/26/2023</a:t>
             </a:fld>
             <a:endParaRPr lang="en-US"/>
           </a:p>
@@ -737,7 +751,7 @@
           <a:p>
             <a:fld id="{CC97699D-3A94-4BEA-A6F1-255386F93F3B}" type="datetimeFigureOut">
               <a:rPr lang="en-US" smtClean="0"/>
-              <a:t>6/24/2023</a:t>
+              <a:t>6/26/2023</a:t>
             </a:fld>
             <a:endParaRPr lang="en-US"/>
           </a:p>
@@ -935,7 +949,7 @@
           <a:p>
             <a:fld id="{CC97699D-3A94-4BEA-A6F1-255386F93F3B}" type="datetimeFigureOut">
               <a:rPr lang="en-US" smtClean="0"/>
-              <a:t>6/24/2023</a:t>
+              <a:t>6/26/2023</a:t>
             </a:fld>
             <a:endParaRPr lang="en-US"/>
           </a:p>
@@ -1143,7 +1157,7 @@
           <a:p>
             <a:fld id="{CC97699D-3A94-4BEA-A6F1-255386F93F3B}" type="datetimeFigureOut">
               <a:rPr lang="en-US" smtClean="0"/>
-              <a:t>6/24/2023</a:t>
+              <a:t>6/26/2023</a:t>
             </a:fld>
             <a:endParaRPr lang="en-US"/>
           </a:p>
@@ -2010,7 +2024,7 @@
           <a:p>
             <a:fld id="{CC97699D-3A94-4BEA-A6F1-255386F93F3B}" type="datetimeFigureOut">
               <a:rPr lang="en-US" smtClean="0"/>
-              <a:t>6/24/2023</a:t>
+              <a:t>6/26/2023</a:t>
             </a:fld>
             <a:endParaRPr lang="en-US"/>
           </a:p>
@@ -2285,7 +2299,7 @@
           <a:p>
             <a:fld id="{CC97699D-3A94-4BEA-A6F1-255386F93F3B}" type="datetimeFigureOut">
               <a:rPr lang="en-US" smtClean="0"/>
-              <a:t>6/24/2023</a:t>
+              <a:t>6/26/2023</a:t>
             </a:fld>
             <a:endParaRPr lang="en-US"/>
           </a:p>
@@ -2550,7 +2564,7 @@
           <a:p>
             <a:fld id="{CC97699D-3A94-4BEA-A6F1-255386F93F3B}" type="datetimeFigureOut">
               <a:rPr lang="en-US" smtClean="0"/>
-              <a:t>6/24/2023</a:t>
+              <a:t>6/26/2023</a:t>
             </a:fld>
             <a:endParaRPr lang="en-US"/>
           </a:p>
@@ -2962,7 +2976,7 @@
           <a:p>
             <a:fld id="{CC97699D-3A94-4BEA-A6F1-255386F93F3B}" type="datetimeFigureOut">
               <a:rPr lang="en-US" smtClean="0"/>
-              <a:t>6/24/2023</a:t>
+              <a:t>6/26/2023</a:t>
             </a:fld>
             <a:endParaRPr lang="en-US"/>
           </a:p>
@@ -3103,7 +3117,7 @@
           <a:p>
             <a:fld id="{CC97699D-3A94-4BEA-A6F1-255386F93F3B}" type="datetimeFigureOut">
               <a:rPr lang="en-US" smtClean="0"/>
-              <a:t>6/24/2023</a:t>
+              <a:t>6/26/2023</a:t>
             </a:fld>
             <a:endParaRPr lang="en-US"/>
           </a:p>
@@ -3216,7 +3230,7 @@
           <a:p>
             <a:fld id="{CC97699D-3A94-4BEA-A6F1-255386F93F3B}" type="datetimeFigureOut">
               <a:rPr lang="en-US" smtClean="0"/>
-              <a:t>6/24/2023</a:t>
+              <a:t>6/26/2023</a:t>
             </a:fld>
             <a:endParaRPr lang="en-US"/>
           </a:p>
@@ -3527,7 +3541,7 @@
           <a:p>
             <a:fld id="{CC97699D-3A94-4BEA-A6F1-255386F93F3B}" type="datetimeFigureOut">
               <a:rPr lang="en-US" smtClean="0"/>
-              <a:t>6/24/2023</a:t>
+              <a:t>6/26/2023</a:t>
             </a:fld>
             <a:endParaRPr lang="en-US"/>
           </a:p>
@@ -3815,7 +3829,7 @@
           <a:p>
             <a:fld id="{CC97699D-3A94-4BEA-A6F1-255386F93F3B}" type="datetimeFigureOut">
               <a:rPr lang="en-US" smtClean="0"/>
-              <a:t>6/24/2023</a:t>
+              <a:t>6/26/2023</a:t>
             </a:fld>
             <a:endParaRPr lang="en-US"/>
           </a:p>
@@ -4056,7 +4070,7 @@
           <a:p>
             <a:fld id="{CC97699D-3A94-4BEA-A6F1-255386F93F3B}" type="datetimeFigureOut">
               <a:rPr lang="en-US" smtClean="0"/>
-              <a:t>6/24/2023</a:t>
+              <a:t>6/26/2023</a:t>
             </a:fld>
             <a:endParaRPr lang="en-US"/>
           </a:p>
@@ -29233,12 +29247,20 @@
             <p:ph type="title"/>
           </p:nvPr>
         </p:nvSpPr>
-        <p:spPr/>
+        <p:spPr>
+          <a:xfrm>
+            <a:off x="609600" y="155848"/>
+            <a:ext cx="7521200" cy="564776"/>
+          </a:xfrm>
+        </p:spPr>
         <p:txBody>
           <a:bodyPr/>
           <a:lstStyle/>
           <a:p>
-            <a:endParaRPr lang="en-US"/>
+            <a:r>
+              <a:rPr lang="en-US" dirty="0"/>
+              <a:t>Sort</a:t>
+            </a:r>
           </a:p>
         </p:txBody>
       </p:sp>
@@ -29258,12 +29280,35 @@
             <p:ph type="body" idx="1"/>
           </p:nvPr>
         </p:nvSpPr>
-        <p:spPr/>
+        <p:spPr>
+          <a:xfrm>
+            <a:off x="484094" y="720624"/>
+            <a:ext cx="11403106" cy="5981528"/>
+          </a:xfrm>
+        </p:spPr>
         <p:txBody>
           <a:bodyPr/>
           <a:lstStyle/>
           <a:p>
-            <a:endParaRPr lang="en-US"/>
+            <a:r>
+              <a:rPr lang="en-US" dirty="0"/>
+              <a:t>In C#, sorting a list of simple types like int, double, char, string, etc. is straightforward. Here, we just need to call the Sort() method which is provided by the Generic List class on the list instance, and then the data will be automatically sorted in ascending order.</a:t>
+            </a:r>
+          </a:p>
+          <a:p>
+            <a:r>
+              <a:rPr lang="en-US" dirty="0"/>
+              <a:t>If you want the data to be retrieved in descending order, then use the Reverse() method on the list instance.</a:t>
+            </a:r>
+          </a:p>
+          <a:p>
+            <a:r>
+              <a:rPr lang="en-US" dirty="0"/>
+              <a:t>However complex sorting e.g. sorting by name in a Employee list is not possible with the sort method.</a:t>
+            </a:r>
+          </a:p>
+          <a:p>
+            <a:endParaRPr lang="en-US" dirty="0"/>
           </a:p>
         </p:txBody>
       </p:sp>
@@ -29297,12 +29342,131 @@
           <a:chExt cx="0" cy="0"/>
         </a:xfrm>
       </p:grpSpPr>
+      <p:pic>
+        <p:nvPicPr>
+          <p:cNvPr id="5" name="Picture 4">
+            <a:extLst>
+              <a:ext uri="{FF2B5EF4-FFF2-40B4-BE49-F238E27FC236}">
+                <a16:creationId xmlns:a16="http://schemas.microsoft.com/office/drawing/2014/main" id="{D227846C-803F-FDEE-C68F-D37C275CF4B2}"/>
+              </a:ext>
+            </a:extLst>
+          </p:cNvPr>
+          <p:cNvPicPr>
+            <a:picLocks noChangeAspect="1"/>
+          </p:cNvPicPr>
+          <p:nvPr/>
+        </p:nvPicPr>
+        <p:blipFill rotWithShape="1">
+          <a:blip r:embed="rId2"/>
+          <a:srcRect r="15768"/>
+          <a:stretch/>
+        </p:blipFill>
+        <p:spPr>
+          <a:xfrm>
+            <a:off x="340731" y="2067943"/>
+            <a:ext cx="5889740" cy="1724266"/>
+          </a:xfrm>
+          <a:prstGeom prst="rect">
+            <a:avLst/>
+          </a:prstGeom>
+        </p:spPr>
+      </p:pic>
+      <p:pic>
+        <p:nvPicPr>
+          <p:cNvPr id="7" name="Picture 6">
+            <a:extLst>
+              <a:ext uri="{FF2B5EF4-FFF2-40B4-BE49-F238E27FC236}">
+                <a16:creationId xmlns:a16="http://schemas.microsoft.com/office/drawing/2014/main" id="{72B934D8-EB99-7E10-AACA-41D9E62A7ABC}"/>
+              </a:ext>
+            </a:extLst>
+          </p:cNvPr>
+          <p:cNvPicPr>
+            <a:picLocks noChangeAspect="1"/>
+          </p:cNvPicPr>
+          <p:nvPr/>
+        </p:nvPicPr>
+        <p:blipFill>
+          <a:blip r:embed="rId3"/>
+          <a:stretch>
+            <a:fillRect/>
+          </a:stretch>
+        </p:blipFill>
+        <p:spPr>
+          <a:xfrm>
+            <a:off x="6545447" y="1078620"/>
+            <a:ext cx="1181265" cy="3248478"/>
+          </a:xfrm>
+          <a:prstGeom prst="rect">
+            <a:avLst/>
+          </a:prstGeom>
+        </p:spPr>
+      </p:pic>
+      <p:pic>
+        <p:nvPicPr>
+          <p:cNvPr id="9" name="Picture 8">
+            <a:extLst>
+              <a:ext uri="{FF2B5EF4-FFF2-40B4-BE49-F238E27FC236}">
+                <a16:creationId xmlns:a16="http://schemas.microsoft.com/office/drawing/2014/main" id="{7B176EE6-9FEF-E09E-DC7E-1C2108E7CB8E}"/>
+              </a:ext>
+            </a:extLst>
+          </p:cNvPr>
+          <p:cNvPicPr>
+            <a:picLocks noChangeAspect="1"/>
+          </p:cNvPicPr>
+          <p:nvPr/>
+        </p:nvPicPr>
+        <p:blipFill>
+          <a:blip r:embed="rId4"/>
+          <a:stretch>
+            <a:fillRect/>
+          </a:stretch>
+        </p:blipFill>
+        <p:spPr>
+          <a:xfrm>
+            <a:off x="8355455" y="950015"/>
+            <a:ext cx="2922146" cy="3381602"/>
+          </a:xfrm>
+          <a:prstGeom prst="rect">
+            <a:avLst/>
+          </a:prstGeom>
+        </p:spPr>
+      </p:pic>
+    </p:spTree>
+    <p:extLst>
+      <p:ext uri="{BB962C8B-B14F-4D97-AF65-F5344CB8AC3E}">
+        <p14:creationId xmlns:p14="http://schemas.microsoft.com/office/powerpoint/2010/main" val="3942492933"/>
+      </p:ext>
+    </p:extLst>
+  </p:cSld>
+  <p:clrMapOvr>
+    <a:masterClrMapping/>
+  </p:clrMapOvr>
+</p:sld>
+</file>
+
+<file path=ppt/slides/slide29.xml><?xml version="1.0" encoding="utf-8"?>
+<p:sld xmlns:a="http://schemas.openxmlformats.org/drawingml/2006/main" xmlns:r="http://schemas.openxmlformats.org/officeDocument/2006/relationships" xmlns:p="http://schemas.openxmlformats.org/presentationml/2006/main">
+  <p:cSld>
+    <p:spTree>
+      <p:nvGrpSpPr>
+        <p:cNvPr id="1" name=""/>
+        <p:cNvGrpSpPr/>
+        <p:nvPr/>
+      </p:nvGrpSpPr>
+      <p:grpSpPr>
+        <a:xfrm>
+          <a:off x="0" y="0"/>
+          <a:ext cx="0" cy="0"/>
+          <a:chOff x="0" y="0"/>
+          <a:chExt cx="0" cy="0"/>
+        </a:xfrm>
+      </p:grpSpPr>
       <p:sp>
         <p:nvSpPr>
           <p:cNvPr id="2" name="Title 1">
             <a:extLst>
               <a:ext uri="{FF2B5EF4-FFF2-40B4-BE49-F238E27FC236}">
-                <a16:creationId xmlns:a16="http://schemas.microsoft.com/office/drawing/2014/main" id="{D02C4E93-9571-714E-E3EB-5EAA4FA2AE15}"/>
+                <a16:creationId xmlns:a16="http://schemas.microsoft.com/office/drawing/2014/main" id="{821535DE-380E-7D30-935B-4A42D1467E7D}"/>
               </a:ext>
             </a:extLst>
           </p:cNvPr>
@@ -29313,12 +29477,20 @@
             <p:ph type="title"/>
           </p:nvPr>
         </p:nvSpPr>
-        <p:spPr/>
+        <p:spPr>
+          <a:xfrm>
+            <a:off x="493058" y="81326"/>
+            <a:ext cx="11483789" cy="1012368"/>
+          </a:xfrm>
+        </p:spPr>
         <p:txBody>
           <a:bodyPr/>
           <a:lstStyle/>
           <a:p>
-            <a:endParaRPr lang="en-US"/>
+            <a:r>
+              <a:rPr lang="en-US" dirty="0"/>
+              <a:t>How the sort functionality is working for simple data types like int, double, string, char, etc.</a:t>
+            </a:r>
           </a:p>
         </p:txBody>
       </p:sp>
@@ -29327,7 +29499,7 @@
           <p:cNvPr id="3" name="Text Placeholder 2">
             <a:extLst>
               <a:ext uri="{FF2B5EF4-FFF2-40B4-BE49-F238E27FC236}">
-                <a16:creationId xmlns:a16="http://schemas.microsoft.com/office/drawing/2014/main" id="{D3A52D2C-08B0-BA05-44A6-A3D7636B85E9}"/>
+                <a16:creationId xmlns:a16="http://schemas.microsoft.com/office/drawing/2014/main" id="{DEC950EB-D59B-701E-1EC6-8FB782A6D439}"/>
               </a:ext>
             </a:extLst>
           </p:cNvPr>
@@ -29338,19 +29510,155 @@
             <p:ph type="body" idx="1"/>
           </p:nvPr>
         </p:nvSpPr>
-        <p:spPr/>
+        <p:spPr>
+          <a:xfrm>
+            <a:off x="493057" y="1264024"/>
+            <a:ext cx="11358283" cy="5512650"/>
+          </a:xfrm>
+        </p:spPr>
         <p:txBody>
           <a:bodyPr/>
           <a:lstStyle/>
           <a:p>
-            <a:endParaRPr lang="en-US"/>
+            <a:pPr marL="152396" indent="0">
+              <a:buNone/>
+            </a:pPr>
+            <a:r>
+              <a:rPr lang="en-US" dirty="0"/>
+              <a:t>This is because these datatypes are implementing the IComparable interfaces e.g.</a:t>
+            </a:r>
+          </a:p>
+          <a:p>
+            <a:pPr marL="152396" indent="0">
+              <a:buNone/>
+            </a:pPr>
+            <a:endParaRPr lang="en-US" dirty="0"/>
           </a:p>
         </p:txBody>
       </p:sp>
+      <p:pic>
+        <p:nvPicPr>
+          <p:cNvPr id="5" name="Picture 4">
+            <a:extLst>
+              <a:ext uri="{FF2B5EF4-FFF2-40B4-BE49-F238E27FC236}">
+                <a16:creationId xmlns:a16="http://schemas.microsoft.com/office/drawing/2014/main" id="{C1EE86D4-60D5-3329-DBE8-1BE4088BBDBC}"/>
+              </a:ext>
+            </a:extLst>
+          </p:cNvPr>
+          <p:cNvPicPr>
+            <a:picLocks noChangeAspect="1"/>
+          </p:cNvPicPr>
+          <p:nvPr/>
+        </p:nvPicPr>
+        <p:blipFill>
+          <a:blip r:embed="rId2"/>
+          <a:stretch>
+            <a:fillRect/>
+          </a:stretch>
+        </p:blipFill>
+        <p:spPr>
+          <a:xfrm>
+            <a:off x="918112" y="3499617"/>
+            <a:ext cx="7020905" cy="2857899"/>
+          </a:xfrm>
+          <a:prstGeom prst="rect">
+            <a:avLst/>
+          </a:prstGeom>
+        </p:spPr>
+      </p:pic>
+      <p:pic>
+        <p:nvPicPr>
+          <p:cNvPr id="7" name="Picture 6">
+            <a:extLst>
+              <a:ext uri="{FF2B5EF4-FFF2-40B4-BE49-F238E27FC236}">
+                <a16:creationId xmlns:a16="http://schemas.microsoft.com/office/drawing/2014/main" id="{54292658-DBE5-304D-9D3B-66C36960490F}"/>
+              </a:ext>
+            </a:extLst>
+          </p:cNvPr>
+          <p:cNvPicPr>
+            <a:picLocks noChangeAspect="1"/>
+          </p:cNvPicPr>
+          <p:nvPr/>
+        </p:nvPicPr>
+        <p:blipFill>
+          <a:blip r:embed="rId3"/>
+          <a:stretch>
+            <a:fillRect/>
+          </a:stretch>
+        </p:blipFill>
+        <p:spPr>
+          <a:xfrm>
+            <a:off x="493057" y="2277031"/>
+            <a:ext cx="8364117" cy="209579"/>
+          </a:xfrm>
+          <a:prstGeom prst="rect">
+            <a:avLst/>
+          </a:prstGeom>
+        </p:spPr>
+      </p:pic>
+      <p:pic>
+        <p:nvPicPr>
+          <p:cNvPr id="9" name="Picture 8">
+            <a:extLst>
+              <a:ext uri="{FF2B5EF4-FFF2-40B4-BE49-F238E27FC236}">
+                <a16:creationId xmlns:a16="http://schemas.microsoft.com/office/drawing/2014/main" id="{6E86CE9B-D668-DFBA-B72B-533BE8D93B88}"/>
+              </a:ext>
+            </a:extLst>
+          </p:cNvPr>
+          <p:cNvPicPr>
+            <a:picLocks noChangeAspect="1"/>
+          </p:cNvPicPr>
+          <p:nvPr/>
+        </p:nvPicPr>
+        <p:blipFill rotWithShape="1">
+          <a:blip r:embed="rId4"/>
+          <a:srcRect r="4669" b="4348"/>
+          <a:stretch/>
+        </p:blipFill>
+        <p:spPr>
+          <a:xfrm>
+            <a:off x="493057" y="2656940"/>
+            <a:ext cx="8364117" cy="209579"/>
+          </a:xfrm>
+          <a:prstGeom prst="rect">
+            <a:avLst/>
+          </a:prstGeom>
+        </p:spPr>
+      </p:pic>
+      <p:pic>
+        <p:nvPicPr>
+          <p:cNvPr id="11" name="Picture 10">
+            <a:extLst>
+              <a:ext uri="{FF2B5EF4-FFF2-40B4-BE49-F238E27FC236}">
+                <a16:creationId xmlns:a16="http://schemas.microsoft.com/office/drawing/2014/main" id="{C2310DAF-5FAC-6DE4-D60D-841803378B12}"/>
+              </a:ext>
+            </a:extLst>
+          </p:cNvPr>
+          <p:cNvPicPr>
+            <a:picLocks noChangeAspect="1"/>
+          </p:cNvPicPr>
+          <p:nvPr/>
+        </p:nvPicPr>
+        <p:blipFill>
+          <a:blip r:embed="rId5"/>
+          <a:stretch>
+            <a:fillRect/>
+          </a:stretch>
+        </p:blipFill>
+        <p:spPr>
+          <a:xfrm>
+            <a:off x="507940" y="3000418"/>
+            <a:ext cx="7287642" cy="247685"/>
+          </a:xfrm>
+          <a:prstGeom prst="rect">
+            <a:avLst/>
+          </a:prstGeom>
+        </p:spPr>
+      </p:pic>
     </p:spTree>
     <p:extLst>
       <p:ext uri="{BB962C8B-B14F-4D97-AF65-F5344CB8AC3E}">
-        <p14:creationId xmlns:p14="http://schemas.microsoft.com/office/powerpoint/2010/main" val="3942492933"/>
+        <p14:creationId xmlns:p14="http://schemas.microsoft.com/office/powerpoint/2010/main" val="446376831"/>
       </p:ext>
     </p:extLst>
   </p:cSld>
@@ -29487,6 +29795,1243 @@
     <p:extLst>
       <p:ext uri="{BB962C8B-B14F-4D97-AF65-F5344CB8AC3E}">
         <p14:creationId xmlns:p14="http://schemas.microsoft.com/office/powerpoint/2010/main" val="445067884"/>
+      </p:ext>
+    </p:extLst>
+  </p:cSld>
+  <p:clrMapOvr>
+    <a:masterClrMapping/>
+  </p:clrMapOvr>
+</p:sld>
+</file>
+
+<file path=ppt/slides/slide30.xml><?xml version="1.0" encoding="utf-8"?>
+<p:sld xmlns:a="http://schemas.openxmlformats.org/drawingml/2006/main" xmlns:r="http://schemas.openxmlformats.org/officeDocument/2006/relationships" xmlns:p="http://schemas.openxmlformats.org/presentationml/2006/main">
+  <p:cSld>
+    <p:spTree>
+      <p:nvGrpSpPr>
+        <p:cNvPr id="1" name=""/>
+        <p:cNvGrpSpPr/>
+        <p:nvPr/>
+      </p:nvGrpSpPr>
+      <p:grpSpPr>
+        <a:xfrm>
+          <a:off x="0" y="0"/>
+          <a:ext cx="0" cy="0"/>
+          <a:chOff x="0" y="0"/>
+          <a:chExt cx="0" cy="0"/>
+        </a:xfrm>
+      </p:grpSpPr>
+      <p:sp>
+        <p:nvSpPr>
+          <p:cNvPr id="2" name="Title 1">
+            <a:extLst>
+              <a:ext uri="{FF2B5EF4-FFF2-40B4-BE49-F238E27FC236}">
+                <a16:creationId xmlns:a16="http://schemas.microsoft.com/office/drawing/2014/main" id="{C599D5FD-6F3B-88F4-7C9C-F9F2B5035D6F}"/>
+              </a:ext>
+            </a:extLst>
+          </p:cNvPr>
+          <p:cNvSpPr>
+            <a:spLocks noGrp="1"/>
+          </p:cNvSpPr>
+          <p:nvPr>
+            <p:ph type="title"/>
+          </p:nvPr>
+        </p:nvSpPr>
+        <p:spPr>
+          <a:xfrm>
+            <a:off x="358589" y="93738"/>
+            <a:ext cx="11474822" cy="1152356"/>
+          </a:xfrm>
+        </p:spPr>
+        <p:txBody>
+          <a:bodyPr/>
+          <a:lstStyle/>
+          <a:p>
+            <a:r>
+              <a:rPr lang="en-US" dirty="0"/>
+              <a:t>How to Sort a complex List </a:t>
+            </a:r>
+            <a:r>
+              <a:rPr lang="en-US" dirty="0" err="1"/>
+              <a:t>e.g</a:t>
+            </a:r>
+            <a:r>
+              <a:rPr lang="en-US" dirty="0"/>
+              <a:t> a List of Employees</a:t>
+            </a:r>
+          </a:p>
+        </p:txBody>
+      </p:sp>
+      <p:sp>
+        <p:nvSpPr>
+          <p:cNvPr id="3" name="Text Placeholder 2">
+            <a:extLst>
+              <a:ext uri="{FF2B5EF4-FFF2-40B4-BE49-F238E27FC236}">
+                <a16:creationId xmlns:a16="http://schemas.microsoft.com/office/drawing/2014/main" id="{3E2688DA-FFA9-6668-50A2-4D18CC17ABD9}"/>
+              </a:ext>
+            </a:extLst>
+          </p:cNvPr>
+          <p:cNvSpPr>
+            <a:spLocks noGrp="1"/>
+          </p:cNvSpPr>
+          <p:nvPr>
+            <p:ph type="body" idx="1"/>
+          </p:nvPr>
+        </p:nvSpPr>
+        <p:spPr>
+          <a:xfrm>
+            <a:off x="358589" y="1326776"/>
+            <a:ext cx="11510682" cy="5342964"/>
+          </a:xfrm>
+        </p:spPr>
+        <p:txBody>
+          <a:bodyPr/>
+          <a:lstStyle/>
+          <a:p>
+            <a:pPr marL="152396" indent="0">
+              <a:buNone/>
+            </a:pPr>
+            <a:r>
+              <a:rPr lang="en-US" b="1" dirty="0"/>
+              <a:t>Sort(): </a:t>
+            </a:r>
+            <a:r>
+              <a:rPr lang="en-US" dirty="0"/>
+              <a:t>This method is used to sort the elements in the entire Generic List using the default comparer.</a:t>
+            </a:r>
+          </a:p>
+          <a:p>
+            <a:pPr marL="152396" indent="0">
+              <a:buNone/>
+            </a:pPr>
+            <a:r>
+              <a:rPr lang="en-US" b="1" dirty="0"/>
+              <a:t>Sort(</a:t>
+            </a:r>
+            <a:r>
+              <a:rPr lang="en-US" b="1" dirty="0" err="1"/>
+              <a:t>IComparer</a:t>
+            </a:r>
+            <a:r>
+              <a:rPr lang="en-US" b="1" dirty="0"/>
+              <a:t>&lt;T&gt; comparer): </a:t>
+            </a:r>
+            <a:r>
+              <a:rPr lang="en-US" dirty="0"/>
+              <a:t>This method is used to sort the elements in the entire Generic List using the specified comparer.</a:t>
+            </a:r>
+          </a:p>
+          <a:p>
+            <a:pPr marL="152396" indent="0">
+              <a:buNone/>
+            </a:pPr>
+            <a:r>
+              <a:rPr lang="en-US" b="1" dirty="0"/>
+              <a:t>Sort(Comparison&lt;T&gt; comparison): </a:t>
+            </a:r>
+            <a:r>
+              <a:rPr lang="en-US" dirty="0"/>
+              <a:t>This method is used to sort the elements in the entire Generic List using the specified </a:t>
+            </a:r>
+            <a:r>
+              <a:rPr lang="en-US" dirty="0" err="1"/>
+              <a:t>System.Comparison</a:t>
+            </a:r>
+            <a:r>
+              <a:rPr lang="en-US" dirty="0"/>
+              <a:t>.</a:t>
+            </a:r>
+          </a:p>
+          <a:p>
+            <a:pPr marL="152396" indent="0">
+              <a:buNone/>
+            </a:pPr>
+            <a:r>
+              <a:rPr lang="en-US" b="1" dirty="0"/>
+              <a:t>Sort(int index, int count, </a:t>
+            </a:r>
+            <a:r>
+              <a:rPr lang="en-US" b="1" dirty="0" err="1"/>
+              <a:t>IComparer</a:t>
+            </a:r>
+            <a:r>
+              <a:rPr lang="en-US" b="1" dirty="0"/>
+              <a:t>&lt;T&gt; comparer): </a:t>
+            </a:r>
+            <a:r>
+              <a:rPr lang="en-US" dirty="0"/>
+              <a:t>This method is used to sort the elements in a range of elements in a Generic List using the specified comparer.</a:t>
+            </a:r>
+          </a:p>
+        </p:txBody>
+      </p:sp>
+    </p:spTree>
+    <p:extLst>
+      <p:ext uri="{BB962C8B-B14F-4D97-AF65-F5344CB8AC3E}">
+        <p14:creationId xmlns:p14="http://schemas.microsoft.com/office/powerpoint/2010/main" val="2632197757"/>
+      </p:ext>
+    </p:extLst>
+  </p:cSld>
+  <p:clrMapOvr>
+    <a:masterClrMapping/>
+  </p:clrMapOvr>
+</p:sld>
+</file>
+
+<file path=ppt/slides/slide31.xml><?xml version="1.0" encoding="utf-8"?>
+<p:sld xmlns:a="http://schemas.openxmlformats.org/drawingml/2006/main" xmlns:r="http://schemas.openxmlformats.org/officeDocument/2006/relationships" xmlns:p="http://schemas.openxmlformats.org/presentationml/2006/main">
+  <p:cSld>
+    <p:spTree>
+      <p:nvGrpSpPr>
+        <p:cNvPr id="1" name=""/>
+        <p:cNvGrpSpPr/>
+        <p:nvPr/>
+      </p:nvGrpSpPr>
+      <p:grpSpPr>
+        <a:xfrm>
+          <a:off x="0" y="0"/>
+          <a:ext cx="0" cy="0"/>
+          <a:chOff x="0" y="0"/>
+          <a:chExt cx="0" cy="0"/>
+        </a:xfrm>
+      </p:grpSpPr>
+      <p:sp>
+        <p:nvSpPr>
+          <p:cNvPr id="2" name="Title 1">
+            <a:extLst>
+              <a:ext uri="{FF2B5EF4-FFF2-40B4-BE49-F238E27FC236}">
+                <a16:creationId xmlns:a16="http://schemas.microsoft.com/office/drawing/2014/main" id="{5360CD39-A837-69FD-8DEF-247740AE20DF}"/>
+              </a:ext>
+            </a:extLst>
+          </p:cNvPr>
+          <p:cNvSpPr>
+            <a:spLocks noGrp="1"/>
+          </p:cNvSpPr>
+          <p:nvPr>
+            <p:ph type="title"/>
+          </p:nvPr>
+        </p:nvSpPr>
+        <p:spPr>
+          <a:xfrm>
+            <a:off x="636495" y="0"/>
+            <a:ext cx="9538448" cy="788251"/>
+          </a:xfrm>
+        </p:spPr>
+        <p:txBody>
+          <a:bodyPr/>
+          <a:lstStyle/>
+          <a:p>
+            <a:r>
+              <a:rPr lang="en-US" dirty="0"/>
+              <a:t>How to Sort a List of Complex Types</a:t>
+            </a:r>
+          </a:p>
+        </p:txBody>
+      </p:sp>
+      <p:sp>
+        <p:nvSpPr>
+          <p:cNvPr id="3" name="Text Placeholder 2">
+            <a:extLst>
+              <a:ext uri="{FF2B5EF4-FFF2-40B4-BE49-F238E27FC236}">
+                <a16:creationId xmlns:a16="http://schemas.microsoft.com/office/drawing/2014/main" id="{095E03C4-8B65-EBE3-95B8-411850E9D1C8}"/>
+              </a:ext>
+            </a:extLst>
+          </p:cNvPr>
+          <p:cNvSpPr>
+            <a:spLocks noGrp="1"/>
+          </p:cNvSpPr>
+          <p:nvPr>
+            <p:ph type="body" idx="1"/>
+          </p:nvPr>
+        </p:nvSpPr>
+        <p:spPr>
+          <a:xfrm>
+            <a:off x="340659" y="788251"/>
+            <a:ext cx="11421035" cy="5881490"/>
+          </a:xfrm>
+        </p:spPr>
+        <p:txBody>
+          <a:bodyPr/>
+          <a:lstStyle/>
+          <a:p>
+            <a:pPr marL="152396" indent="0">
+              <a:buNone/>
+            </a:pPr>
+            <a:r>
+              <a:rPr lang="en-US" sz="2400" dirty="0"/>
+              <a:t>To sort a list of complex types without using LINQ, the complex type has to implement the IComparable interface and needs to provide the implementation for the </a:t>
+            </a:r>
+            <a:r>
+              <a:rPr lang="en-US" sz="2400" dirty="0" err="1"/>
+              <a:t>CompareTo</a:t>
+            </a:r>
+            <a:r>
+              <a:rPr lang="en-US" sz="2400" dirty="0"/>
+              <a:t>() method as follows. The </a:t>
+            </a:r>
+            <a:r>
+              <a:rPr lang="en-US" sz="2400" dirty="0" err="1"/>
+              <a:t>CompareTo</a:t>
+            </a:r>
+            <a:r>
+              <a:rPr lang="en-US" sz="2400" dirty="0"/>
+              <a:t>() method returns an integer value and the meaning of the return value as shown below.</a:t>
+            </a:r>
+          </a:p>
+          <a:p>
+            <a:pPr marL="152396" indent="0">
+              <a:buNone/>
+            </a:pPr>
+            <a:r>
+              <a:rPr lang="en-US" sz="2400" b="1" dirty="0"/>
+              <a:t>Return value greater than ZERO </a:t>
+            </a:r>
+            <a:r>
+              <a:rPr lang="en-US" sz="2400" dirty="0"/>
+              <a:t>– The current instance is greater than the object being compared with.</a:t>
+            </a:r>
+          </a:p>
+          <a:p>
+            <a:pPr marL="152396" indent="0">
+              <a:buNone/>
+            </a:pPr>
+            <a:r>
+              <a:rPr lang="en-US" sz="2400" b="1" dirty="0"/>
+              <a:t>Return value less than ZERO </a:t>
+            </a:r>
+            <a:r>
+              <a:rPr lang="en-US" sz="2400" dirty="0"/>
+              <a:t>– The current instance is less than the object being compared with.</a:t>
+            </a:r>
+          </a:p>
+          <a:p>
+            <a:pPr marL="152396" indent="0">
+              <a:buNone/>
+            </a:pPr>
+            <a:r>
+              <a:rPr lang="en-US" sz="2400" b="1" dirty="0"/>
+              <a:t>The Return value is ZERO </a:t>
+            </a:r>
+            <a:r>
+              <a:rPr lang="en-US" sz="2400" dirty="0"/>
+              <a:t>– The current instance is equal to the object being compared with.</a:t>
+            </a:r>
+          </a:p>
+          <a:p>
+            <a:pPr marL="152396" indent="0">
+              <a:buNone/>
+            </a:pPr>
+            <a:r>
+              <a:rPr lang="en-US" sz="2400" dirty="0"/>
+              <a:t>Alternatively, we can also invoke the </a:t>
+            </a:r>
+            <a:r>
+              <a:rPr lang="en-US" sz="2400" dirty="0" err="1"/>
+              <a:t>CompareTo</a:t>
+            </a:r>
+            <a:r>
+              <a:rPr lang="en-US" sz="2400" dirty="0"/>
+              <a:t>() method directly. The Salary property of the Employee object is int and the </a:t>
+            </a:r>
+            <a:r>
+              <a:rPr lang="en-US" sz="2400" dirty="0" err="1"/>
+              <a:t>CompareTo</a:t>
+            </a:r>
+            <a:r>
+              <a:rPr lang="en-US" sz="2400" dirty="0"/>
+              <a:t>() method is already implemented on the integer type that we already discussed, so we can invoke this method and return its value as shown below.</a:t>
+            </a:r>
+          </a:p>
+          <a:p>
+            <a:pPr marL="152396" indent="0">
+              <a:buNone/>
+            </a:pPr>
+            <a:r>
+              <a:rPr lang="en-US" sz="2400" dirty="0"/>
+              <a:t>return </a:t>
+            </a:r>
+            <a:r>
+              <a:rPr lang="en-US" sz="2400" dirty="0" err="1"/>
+              <a:t>this.Salary.CompareTo</a:t>
+            </a:r>
+            <a:r>
+              <a:rPr lang="en-US" sz="2400" dirty="0"/>
+              <a:t>(</a:t>
+            </a:r>
+            <a:r>
+              <a:rPr lang="en-US" sz="2400" dirty="0" err="1"/>
+              <a:t>obj.Salary</a:t>
+            </a:r>
+            <a:r>
+              <a:rPr lang="en-US" sz="2400" dirty="0"/>
+              <a:t>);</a:t>
+            </a:r>
+          </a:p>
+        </p:txBody>
+      </p:sp>
+    </p:spTree>
+    <p:extLst>
+      <p:ext uri="{BB962C8B-B14F-4D97-AF65-F5344CB8AC3E}">
+        <p14:creationId xmlns:p14="http://schemas.microsoft.com/office/powerpoint/2010/main" val="2366777217"/>
+      </p:ext>
+    </p:extLst>
+  </p:cSld>
+  <p:clrMapOvr>
+    <a:masterClrMapping/>
+  </p:clrMapOvr>
+</p:sld>
+</file>
+
+<file path=ppt/slides/slide32.xml><?xml version="1.0" encoding="utf-8"?>
+<p:sld xmlns:a="http://schemas.openxmlformats.org/drawingml/2006/main" xmlns:r="http://schemas.openxmlformats.org/officeDocument/2006/relationships" xmlns:p="http://schemas.openxmlformats.org/presentationml/2006/main">
+  <p:cSld>
+    <p:spTree>
+      <p:nvGrpSpPr>
+        <p:cNvPr id="1" name=""/>
+        <p:cNvGrpSpPr/>
+        <p:nvPr/>
+      </p:nvGrpSpPr>
+      <p:grpSpPr>
+        <a:xfrm>
+          <a:off x="0" y="0"/>
+          <a:ext cx="0" cy="0"/>
+          <a:chOff x="0" y="0"/>
+          <a:chExt cx="0" cy="0"/>
+        </a:xfrm>
+      </p:grpSpPr>
+      <p:sp>
+        <p:nvSpPr>
+          <p:cNvPr id="2" name="Title 1">
+            <a:extLst>
+              <a:ext uri="{FF2B5EF4-FFF2-40B4-BE49-F238E27FC236}">
+                <a16:creationId xmlns:a16="http://schemas.microsoft.com/office/drawing/2014/main" id="{AE7292D8-5DA6-680C-430B-F654F741AE50}"/>
+              </a:ext>
+            </a:extLst>
+          </p:cNvPr>
+          <p:cNvSpPr>
+            <a:spLocks noGrp="1"/>
+          </p:cNvSpPr>
+          <p:nvPr>
+            <p:ph type="title"/>
+          </p:nvPr>
+        </p:nvSpPr>
+        <p:spPr>
+          <a:xfrm>
+            <a:off x="510987" y="116542"/>
+            <a:ext cx="9897035" cy="675800"/>
+          </a:xfrm>
+        </p:spPr>
+        <p:txBody>
+          <a:bodyPr/>
+          <a:lstStyle/>
+          <a:p>
+            <a:r>
+              <a:rPr lang="en-US" dirty="0"/>
+              <a:t>Implementing the IComparable interface</a:t>
+            </a:r>
+            <a:br>
+              <a:rPr lang="en-US" dirty="0"/>
+            </a:br>
+            <a:endParaRPr lang="en-US" dirty="0"/>
+          </a:p>
+        </p:txBody>
+      </p:sp>
+      <p:pic>
+        <p:nvPicPr>
+          <p:cNvPr id="5" name="Picture 4">
+            <a:extLst>
+              <a:ext uri="{FF2B5EF4-FFF2-40B4-BE49-F238E27FC236}">
+                <a16:creationId xmlns:a16="http://schemas.microsoft.com/office/drawing/2014/main" id="{4E119C33-0140-2814-41A4-265F7F2978D8}"/>
+              </a:ext>
+            </a:extLst>
+          </p:cNvPr>
+          <p:cNvPicPr>
+            <a:picLocks noChangeAspect="1"/>
+          </p:cNvPicPr>
+          <p:nvPr/>
+        </p:nvPicPr>
+        <p:blipFill rotWithShape="1">
+          <a:blip r:embed="rId2"/>
+          <a:srcRect r="31398" b="1219"/>
+          <a:stretch/>
+        </p:blipFill>
+        <p:spPr>
+          <a:xfrm>
+            <a:off x="510987" y="792342"/>
+            <a:ext cx="5002309" cy="5917920"/>
+          </a:xfrm>
+          <a:prstGeom prst="rect">
+            <a:avLst/>
+          </a:prstGeom>
+        </p:spPr>
+      </p:pic>
+      <p:pic>
+        <p:nvPicPr>
+          <p:cNvPr id="7" name="Picture 6">
+            <a:extLst>
+              <a:ext uri="{FF2B5EF4-FFF2-40B4-BE49-F238E27FC236}">
+                <a16:creationId xmlns:a16="http://schemas.microsoft.com/office/drawing/2014/main" id="{1E257DA9-0E6E-0587-5C3F-1281D3E0B503}"/>
+              </a:ext>
+            </a:extLst>
+          </p:cNvPr>
+          <p:cNvPicPr>
+            <a:picLocks noChangeAspect="1"/>
+          </p:cNvPicPr>
+          <p:nvPr/>
+        </p:nvPicPr>
+        <p:blipFill>
+          <a:blip r:embed="rId3"/>
+          <a:stretch>
+            <a:fillRect/>
+          </a:stretch>
+        </p:blipFill>
+        <p:spPr>
+          <a:xfrm>
+            <a:off x="6096000" y="2504946"/>
+            <a:ext cx="5249008" cy="1848108"/>
+          </a:xfrm>
+          <a:prstGeom prst="rect">
+            <a:avLst/>
+          </a:prstGeom>
+        </p:spPr>
+      </p:pic>
+      <p:pic>
+        <p:nvPicPr>
+          <p:cNvPr id="9" name="Picture 8">
+            <a:extLst>
+              <a:ext uri="{FF2B5EF4-FFF2-40B4-BE49-F238E27FC236}">
+                <a16:creationId xmlns:a16="http://schemas.microsoft.com/office/drawing/2014/main" id="{27F846D7-CF2D-E99C-9FED-5E4D0C60BDD0}"/>
+              </a:ext>
+            </a:extLst>
+          </p:cNvPr>
+          <p:cNvPicPr>
+            <a:picLocks noChangeAspect="1"/>
+          </p:cNvPicPr>
+          <p:nvPr/>
+        </p:nvPicPr>
+        <p:blipFill>
+          <a:blip r:embed="rId4"/>
+          <a:stretch>
+            <a:fillRect/>
+          </a:stretch>
+        </p:blipFill>
+        <p:spPr>
+          <a:xfrm>
+            <a:off x="6096000" y="4595100"/>
+            <a:ext cx="4533095" cy="460993"/>
+          </a:xfrm>
+          <a:prstGeom prst="rect">
+            <a:avLst/>
+          </a:prstGeom>
+        </p:spPr>
+      </p:pic>
+    </p:spTree>
+    <p:extLst>
+      <p:ext uri="{BB962C8B-B14F-4D97-AF65-F5344CB8AC3E}">
+        <p14:creationId xmlns:p14="http://schemas.microsoft.com/office/powerpoint/2010/main" val="3462967184"/>
+      </p:ext>
+    </p:extLst>
+  </p:cSld>
+  <p:clrMapOvr>
+    <a:masterClrMapping/>
+  </p:clrMapOvr>
+</p:sld>
+</file>
+
+<file path=ppt/slides/slide33.xml><?xml version="1.0" encoding="utf-8"?>
+<p:sld xmlns:a="http://schemas.openxmlformats.org/drawingml/2006/main" xmlns:r="http://schemas.openxmlformats.org/officeDocument/2006/relationships" xmlns:p="http://schemas.openxmlformats.org/presentationml/2006/main">
+  <p:cSld>
+    <p:spTree>
+      <p:nvGrpSpPr>
+        <p:cNvPr id="1" name=""/>
+        <p:cNvGrpSpPr/>
+        <p:nvPr/>
+      </p:nvGrpSpPr>
+      <p:grpSpPr>
+        <a:xfrm>
+          <a:off x="0" y="0"/>
+          <a:ext cx="0" cy="0"/>
+          <a:chOff x="0" y="0"/>
+          <a:chExt cx="0" cy="0"/>
+        </a:xfrm>
+      </p:grpSpPr>
+      <p:sp>
+        <p:nvSpPr>
+          <p:cNvPr id="2" name="Title 1">
+            <a:extLst>
+              <a:ext uri="{FF2B5EF4-FFF2-40B4-BE49-F238E27FC236}">
+                <a16:creationId xmlns:a16="http://schemas.microsoft.com/office/drawing/2014/main" id="{F39BB359-7C22-C824-1956-034F353CB6A0}"/>
+              </a:ext>
+            </a:extLst>
+          </p:cNvPr>
+          <p:cNvSpPr>
+            <a:spLocks noGrp="1"/>
+          </p:cNvSpPr>
+          <p:nvPr>
+            <p:ph type="title"/>
+          </p:nvPr>
+        </p:nvSpPr>
+        <p:spPr>
+          <a:xfrm>
+            <a:off x="609600" y="108220"/>
+            <a:ext cx="8068235" cy="707568"/>
+          </a:xfrm>
+        </p:spPr>
+        <p:txBody>
+          <a:bodyPr/>
+          <a:lstStyle/>
+          <a:p>
+            <a:r>
+              <a:rPr lang="en-US" dirty="0"/>
+              <a:t>Comparison Delegate</a:t>
+            </a:r>
+          </a:p>
+        </p:txBody>
+      </p:sp>
+      <p:sp>
+        <p:nvSpPr>
+          <p:cNvPr id="3" name="Text Placeholder 2">
+            <a:extLst>
+              <a:ext uri="{FF2B5EF4-FFF2-40B4-BE49-F238E27FC236}">
+                <a16:creationId xmlns:a16="http://schemas.microsoft.com/office/drawing/2014/main" id="{C8263D43-7DDE-E887-4246-823AC3EFB928}"/>
+              </a:ext>
+            </a:extLst>
+          </p:cNvPr>
+          <p:cNvSpPr>
+            <a:spLocks noGrp="1"/>
+          </p:cNvSpPr>
+          <p:nvPr>
+            <p:ph type="body" idx="1"/>
+          </p:nvPr>
+        </p:nvSpPr>
+        <p:spPr>
+          <a:xfrm>
+            <a:off x="609599" y="1021976"/>
+            <a:ext cx="11241742" cy="5656730"/>
+          </a:xfrm>
+        </p:spPr>
+        <p:txBody>
+          <a:bodyPr/>
+          <a:lstStyle/>
+          <a:p>
+            <a:pPr marL="152396" indent="0">
+              <a:buNone/>
+            </a:pPr>
+            <a:r>
+              <a:rPr lang="en-US" sz="2000" b="1" dirty="0"/>
+              <a:t>Sort(): </a:t>
+            </a:r>
+            <a:r>
+              <a:rPr lang="en-US" sz="2000" dirty="0"/>
+              <a:t>This method is used to sort the elements in the entire Generic List using the default comparer.</a:t>
+            </a:r>
+          </a:p>
+          <a:p>
+            <a:pPr marL="152396" indent="0">
+              <a:buNone/>
+            </a:pPr>
+            <a:r>
+              <a:rPr lang="en-US" sz="2000" b="1" dirty="0"/>
+              <a:t>Sort(</a:t>
+            </a:r>
+            <a:r>
+              <a:rPr lang="en-US" sz="2000" b="1" dirty="0" err="1"/>
+              <a:t>IComparer</a:t>
+            </a:r>
+            <a:r>
+              <a:rPr lang="en-US" sz="2000" b="1" dirty="0"/>
+              <a:t>&lt;T&gt; comparer): </a:t>
+            </a:r>
+            <a:r>
+              <a:rPr lang="en-US" sz="2000" dirty="0"/>
+              <a:t>This method is used to sort the elements in the entire Generic List using the specified comparer.</a:t>
+            </a:r>
+          </a:p>
+          <a:p>
+            <a:pPr marL="152396" indent="0">
+              <a:buNone/>
+            </a:pPr>
+            <a:r>
+              <a:rPr lang="en-US" sz="2000" b="1" dirty="0"/>
+              <a:t>Sort(Comparison&lt;T&gt; comparison): </a:t>
+            </a:r>
+            <a:r>
+              <a:rPr lang="en-US" sz="2000" dirty="0"/>
+              <a:t>This method is used to sort the elements in the entire Generic List using the specified </a:t>
+            </a:r>
+            <a:r>
+              <a:rPr lang="en-US" sz="2000" dirty="0" err="1"/>
+              <a:t>System.Comparison</a:t>
+            </a:r>
+            <a:r>
+              <a:rPr lang="en-US" sz="2000" dirty="0"/>
+              <a:t>.</a:t>
+            </a:r>
+          </a:p>
+          <a:p>
+            <a:pPr marL="152396" indent="0">
+              <a:buNone/>
+            </a:pPr>
+            <a:r>
+              <a:rPr lang="en-US" sz="2000" b="1" dirty="0"/>
+              <a:t>Sort(int index, int count, </a:t>
+            </a:r>
+            <a:r>
+              <a:rPr lang="en-US" sz="2000" b="1" dirty="0" err="1"/>
+              <a:t>IComparer</a:t>
+            </a:r>
+            <a:r>
+              <a:rPr lang="en-US" sz="2000" b="1" dirty="0"/>
+              <a:t>&lt;T&gt; comparer): </a:t>
+            </a:r>
+            <a:r>
+              <a:rPr lang="en-US" sz="2000" dirty="0"/>
+              <a:t>This method is used to sort the elements in a range of elements in a Generic List using the specified comparer.</a:t>
+            </a:r>
+          </a:p>
+          <a:p>
+            <a:pPr marL="152396" indent="0">
+              <a:buNone/>
+            </a:pPr>
+            <a:endParaRPr lang="en-US" sz="2400" dirty="0"/>
+          </a:p>
+          <a:p>
+            <a:pPr marL="152396" indent="0">
+              <a:buNone/>
+            </a:pPr>
+            <a:r>
+              <a:rPr lang="en-US" sz="2000" dirty="0"/>
+              <a:t>Sort(Comparison&lt;T&gt; comparison) method in the List class, expects the Comparison delegate to be passed as an argument. We know what is a Delegate. A delegate is a function pointer and when we invoke the delegate, the function it points to is going to be executed. So, we need to create one method whose signature must be matched with the signature of the Comparison delegate and then we need to create an instance of the Comparison delegate and to the constructor of the Comparison delegate, we need to pass the method name which we want to execute.</a:t>
+            </a:r>
+          </a:p>
+        </p:txBody>
+      </p:sp>
+    </p:spTree>
+    <p:extLst>
+      <p:ext uri="{BB962C8B-B14F-4D97-AF65-F5344CB8AC3E}">
+        <p14:creationId xmlns:p14="http://schemas.microsoft.com/office/powerpoint/2010/main" val="1801723995"/>
+      </p:ext>
+    </p:extLst>
+  </p:cSld>
+  <p:clrMapOvr>
+    <a:masterClrMapping/>
+  </p:clrMapOvr>
+</p:sld>
+</file>
+
+<file path=ppt/slides/slide34.xml><?xml version="1.0" encoding="utf-8"?>
+<p:sld xmlns:a="http://schemas.openxmlformats.org/drawingml/2006/main" xmlns:r="http://schemas.openxmlformats.org/officeDocument/2006/relationships" xmlns:p="http://schemas.openxmlformats.org/presentationml/2006/main">
+  <p:cSld>
+    <p:spTree>
+      <p:nvGrpSpPr>
+        <p:cNvPr id="1" name=""/>
+        <p:cNvGrpSpPr/>
+        <p:nvPr/>
+      </p:nvGrpSpPr>
+      <p:grpSpPr>
+        <a:xfrm>
+          <a:off x="0" y="0"/>
+          <a:ext cx="0" cy="0"/>
+          <a:chOff x="0" y="0"/>
+          <a:chExt cx="0" cy="0"/>
+        </a:xfrm>
+      </p:grpSpPr>
+      <p:sp>
+        <p:nvSpPr>
+          <p:cNvPr id="2" name="Title 1">
+            <a:extLst>
+              <a:ext uri="{FF2B5EF4-FFF2-40B4-BE49-F238E27FC236}">
+                <a16:creationId xmlns:a16="http://schemas.microsoft.com/office/drawing/2014/main" id="{CA606946-DD93-1781-7817-0E2020F5B430}"/>
+              </a:ext>
+            </a:extLst>
+          </p:cNvPr>
+          <p:cNvSpPr>
+            <a:spLocks noGrp="1"/>
+          </p:cNvSpPr>
+          <p:nvPr>
+            <p:ph type="title"/>
+          </p:nvPr>
+        </p:nvSpPr>
+        <p:spPr>
+          <a:xfrm>
+            <a:off x="349624" y="188259"/>
+            <a:ext cx="11645150" cy="896470"/>
+          </a:xfrm>
+        </p:spPr>
+        <p:txBody>
+          <a:bodyPr/>
+          <a:lstStyle/>
+          <a:p>
+            <a:r>
+              <a:rPr lang="en-US" b="1" dirty="0"/>
+              <a:t>What is Comparison&lt;T&gt; Delegate</a:t>
+            </a:r>
+          </a:p>
+        </p:txBody>
+      </p:sp>
+      <p:sp>
+        <p:nvSpPr>
+          <p:cNvPr id="3" name="Text Placeholder 2">
+            <a:extLst>
+              <a:ext uri="{FF2B5EF4-FFF2-40B4-BE49-F238E27FC236}">
+                <a16:creationId xmlns:a16="http://schemas.microsoft.com/office/drawing/2014/main" id="{96C2D993-8243-2DF8-B629-3664370566DB}"/>
+              </a:ext>
+            </a:extLst>
+          </p:cNvPr>
+          <p:cNvSpPr>
+            <a:spLocks noGrp="1"/>
+          </p:cNvSpPr>
+          <p:nvPr>
+            <p:ph type="body" idx="1"/>
+          </p:nvPr>
+        </p:nvSpPr>
+        <p:spPr>
+          <a:xfrm>
+            <a:off x="161366" y="1084729"/>
+            <a:ext cx="11833410" cy="5656729"/>
+          </a:xfrm>
+        </p:spPr>
+        <p:txBody>
+          <a:bodyPr/>
+          <a:lstStyle/>
+          <a:p>
+            <a:pPr marL="152396" indent="0">
+              <a:buNone/>
+            </a:pPr>
+            <a:r>
+              <a:rPr lang="en-US" dirty="0"/>
+              <a:t>The Comparison Delegate represents the method that compares two objects of the same type. Here, the parameter x is the first object to compare. The parameter y is the second object to compare. And here T represents the type of objects to be compared. It returns a signed integer that indicates the relative values of x and y, as shown in the following table.</a:t>
+            </a:r>
+          </a:p>
+          <a:p>
+            <a:endParaRPr lang="en-US" dirty="0"/>
+          </a:p>
+          <a:p>
+            <a:pPr marL="152396" indent="0">
+              <a:buNone/>
+            </a:pPr>
+            <a:r>
+              <a:rPr lang="en-US" dirty="0"/>
+              <a:t>	Return value greater than ZERO – x is greater than y.</a:t>
+            </a:r>
+          </a:p>
+          <a:p>
+            <a:pPr marL="152396" indent="0">
+              <a:buNone/>
+            </a:pPr>
+            <a:r>
+              <a:rPr lang="en-US" dirty="0"/>
+              <a:t>	Return value less than ZERO – x is less than y</a:t>
+            </a:r>
+          </a:p>
+          <a:p>
+            <a:pPr marL="152396" indent="0">
+              <a:buNone/>
+            </a:pPr>
+            <a:r>
+              <a:rPr lang="en-US" dirty="0"/>
+              <a:t>	The Return value is ZERO – x equals y</a:t>
+            </a:r>
+          </a:p>
+          <a:p>
+            <a:pPr marL="152396" indent="0">
+              <a:buNone/>
+            </a:pPr>
+            <a:endParaRPr lang="en-US" dirty="0"/>
+          </a:p>
+        </p:txBody>
+      </p:sp>
+    </p:spTree>
+    <p:extLst>
+      <p:ext uri="{BB962C8B-B14F-4D97-AF65-F5344CB8AC3E}">
+        <p14:creationId xmlns:p14="http://schemas.microsoft.com/office/powerpoint/2010/main" val="1624626598"/>
+      </p:ext>
+    </p:extLst>
+  </p:cSld>
+  <p:clrMapOvr>
+    <a:masterClrMapping/>
+  </p:clrMapOvr>
+</p:sld>
+</file>
+
+<file path=ppt/slides/slide35.xml><?xml version="1.0" encoding="utf-8"?>
+<p:sld xmlns:a="http://schemas.openxmlformats.org/drawingml/2006/main" xmlns:r="http://schemas.openxmlformats.org/officeDocument/2006/relationships" xmlns:p="http://schemas.openxmlformats.org/presentationml/2006/main">
+  <p:cSld>
+    <p:spTree>
+      <p:nvGrpSpPr>
+        <p:cNvPr id="1" name=""/>
+        <p:cNvGrpSpPr/>
+        <p:nvPr/>
+      </p:nvGrpSpPr>
+      <p:grpSpPr>
+        <a:xfrm>
+          <a:off x="0" y="0"/>
+          <a:ext cx="0" cy="0"/>
+          <a:chOff x="0" y="0"/>
+          <a:chExt cx="0" cy="0"/>
+        </a:xfrm>
+      </p:grpSpPr>
+      <p:pic>
+        <p:nvPicPr>
+          <p:cNvPr id="5" name="Picture 4">
+            <a:extLst>
+              <a:ext uri="{FF2B5EF4-FFF2-40B4-BE49-F238E27FC236}">
+                <a16:creationId xmlns:a16="http://schemas.microsoft.com/office/drawing/2014/main" id="{EF61C698-83AD-44B6-EDC2-F1D7B7024EB9}"/>
+              </a:ext>
+            </a:extLst>
+          </p:cNvPr>
+          <p:cNvPicPr>
+            <a:picLocks noChangeAspect="1"/>
+          </p:cNvPicPr>
+          <p:nvPr/>
+        </p:nvPicPr>
+        <p:blipFill>
+          <a:blip r:embed="rId2"/>
+          <a:stretch>
+            <a:fillRect/>
+          </a:stretch>
+        </p:blipFill>
+        <p:spPr>
+          <a:xfrm>
+            <a:off x="0" y="0"/>
+            <a:ext cx="9959316" cy="6678706"/>
+          </a:xfrm>
+          <a:prstGeom prst="rect">
+            <a:avLst/>
+          </a:prstGeom>
+        </p:spPr>
+      </p:pic>
+      <p:pic>
+        <p:nvPicPr>
+          <p:cNvPr id="7" name="Picture 6">
+            <a:extLst>
+              <a:ext uri="{FF2B5EF4-FFF2-40B4-BE49-F238E27FC236}">
+                <a16:creationId xmlns:a16="http://schemas.microsoft.com/office/drawing/2014/main" id="{1B128058-C532-09A5-C605-C29FAA10563B}"/>
+              </a:ext>
+            </a:extLst>
+          </p:cNvPr>
+          <p:cNvPicPr>
+            <a:picLocks noChangeAspect="1"/>
+          </p:cNvPicPr>
+          <p:nvPr/>
+        </p:nvPicPr>
+        <p:blipFill>
+          <a:blip r:embed="rId3"/>
+          <a:stretch>
+            <a:fillRect/>
+          </a:stretch>
+        </p:blipFill>
+        <p:spPr>
+          <a:xfrm>
+            <a:off x="10112892" y="2241621"/>
+            <a:ext cx="1952898" cy="1657581"/>
+          </a:xfrm>
+          <a:prstGeom prst="rect">
+            <a:avLst/>
+          </a:prstGeom>
+        </p:spPr>
+      </p:pic>
+    </p:spTree>
+    <p:extLst>
+      <p:ext uri="{BB962C8B-B14F-4D97-AF65-F5344CB8AC3E}">
+        <p14:creationId xmlns:p14="http://schemas.microsoft.com/office/powerpoint/2010/main" val="1110309425"/>
+      </p:ext>
+    </p:extLst>
+  </p:cSld>
+  <p:clrMapOvr>
+    <a:masterClrMapping/>
+  </p:clrMapOvr>
+</p:sld>
+</file>
+
+<file path=ppt/slides/slide36.xml><?xml version="1.0" encoding="utf-8"?>
+<p:sld xmlns:a="http://schemas.openxmlformats.org/drawingml/2006/main" xmlns:r="http://schemas.openxmlformats.org/officeDocument/2006/relationships" xmlns:p="http://schemas.openxmlformats.org/presentationml/2006/main">
+  <p:cSld>
+    <p:spTree>
+      <p:nvGrpSpPr>
+        <p:cNvPr id="1" name=""/>
+        <p:cNvGrpSpPr/>
+        <p:nvPr/>
+      </p:nvGrpSpPr>
+      <p:grpSpPr>
+        <a:xfrm>
+          <a:off x="0" y="0"/>
+          <a:ext cx="0" cy="0"/>
+          <a:chOff x="0" y="0"/>
+          <a:chExt cx="0" cy="0"/>
+        </a:xfrm>
+      </p:grpSpPr>
+      <p:sp>
+        <p:nvSpPr>
+          <p:cNvPr id="2" name="Title 1">
+            <a:extLst>
+              <a:ext uri="{FF2B5EF4-FFF2-40B4-BE49-F238E27FC236}">
+                <a16:creationId xmlns:a16="http://schemas.microsoft.com/office/drawing/2014/main" id="{D46AFCEE-E92C-9691-ACE7-444626E4C967}"/>
+              </a:ext>
+            </a:extLst>
+          </p:cNvPr>
+          <p:cNvSpPr>
+            <a:spLocks noGrp="1"/>
+          </p:cNvSpPr>
+          <p:nvPr>
+            <p:ph type="title"/>
+          </p:nvPr>
+        </p:nvSpPr>
+        <p:spPr>
+          <a:xfrm>
+            <a:off x="609600" y="0"/>
+            <a:ext cx="7413812" cy="762000"/>
+          </a:xfrm>
+        </p:spPr>
+        <p:txBody>
+          <a:bodyPr/>
+          <a:lstStyle/>
+          <a:p>
+            <a:endParaRPr lang="en-US" dirty="0"/>
+          </a:p>
+        </p:txBody>
+      </p:sp>
+      <p:pic>
+        <p:nvPicPr>
+          <p:cNvPr id="5" name="Picture 4">
+            <a:extLst>
+              <a:ext uri="{FF2B5EF4-FFF2-40B4-BE49-F238E27FC236}">
+                <a16:creationId xmlns:a16="http://schemas.microsoft.com/office/drawing/2014/main" id="{FDB1C6E3-C001-E314-E336-9209EDFB765B}"/>
+              </a:ext>
+            </a:extLst>
+          </p:cNvPr>
+          <p:cNvPicPr>
+            <a:picLocks noChangeAspect="1"/>
+          </p:cNvPicPr>
+          <p:nvPr/>
+        </p:nvPicPr>
+        <p:blipFill rotWithShape="1">
+          <a:blip r:embed="rId2"/>
+          <a:srcRect r="3831"/>
+          <a:stretch/>
+        </p:blipFill>
+        <p:spPr>
+          <a:xfrm>
+            <a:off x="0" y="1649218"/>
+            <a:ext cx="10022541" cy="4115374"/>
+          </a:xfrm>
+          <a:prstGeom prst="rect">
+            <a:avLst/>
+          </a:prstGeom>
+        </p:spPr>
+      </p:pic>
+      <p:pic>
+        <p:nvPicPr>
+          <p:cNvPr id="7" name="Picture 6">
+            <a:extLst>
+              <a:ext uri="{FF2B5EF4-FFF2-40B4-BE49-F238E27FC236}">
+                <a16:creationId xmlns:a16="http://schemas.microsoft.com/office/drawing/2014/main" id="{DFF95104-98B6-F312-3096-9492378351DE}"/>
+              </a:ext>
+            </a:extLst>
+          </p:cNvPr>
+          <p:cNvPicPr>
+            <a:picLocks noChangeAspect="1"/>
+          </p:cNvPicPr>
+          <p:nvPr/>
+        </p:nvPicPr>
+        <p:blipFill rotWithShape="1">
+          <a:blip r:embed="rId3"/>
+          <a:srcRect l="3130" r="29290"/>
+          <a:stretch/>
+        </p:blipFill>
+        <p:spPr>
+          <a:xfrm>
+            <a:off x="10219764" y="2643078"/>
+            <a:ext cx="1667435" cy="1571844"/>
+          </a:xfrm>
+          <a:prstGeom prst="rect">
+            <a:avLst/>
+          </a:prstGeom>
+        </p:spPr>
+      </p:pic>
+    </p:spTree>
+    <p:extLst>
+      <p:ext uri="{BB962C8B-B14F-4D97-AF65-F5344CB8AC3E}">
+        <p14:creationId xmlns:p14="http://schemas.microsoft.com/office/powerpoint/2010/main" val="2093172023"/>
+      </p:ext>
+    </p:extLst>
+  </p:cSld>
+  <p:clrMapOvr>
+    <a:masterClrMapping/>
+  </p:clrMapOvr>
+</p:sld>
+</file>
+
+<file path=ppt/slides/slide37.xml><?xml version="1.0" encoding="utf-8"?>
+<p:sld xmlns:a="http://schemas.openxmlformats.org/drawingml/2006/main" xmlns:r="http://schemas.openxmlformats.org/officeDocument/2006/relationships" xmlns:p="http://schemas.openxmlformats.org/presentationml/2006/main">
+  <p:cSld>
+    <p:spTree>
+      <p:nvGrpSpPr>
+        <p:cNvPr id="1" name=""/>
+        <p:cNvGrpSpPr/>
+        <p:nvPr/>
+      </p:nvGrpSpPr>
+      <p:grpSpPr>
+        <a:xfrm>
+          <a:off x="0" y="0"/>
+          <a:ext cx="0" cy="0"/>
+          <a:chOff x="0" y="0"/>
+          <a:chExt cx="0" cy="0"/>
+        </a:xfrm>
+      </p:grpSpPr>
+      <p:sp>
+        <p:nvSpPr>
+          <p:cNvPr id="2" name="Title 1">
+            <a:extLst>
+              <a:ext uri="{FF2B5EF4-FFF2-40B4-BE49-F238E27FC236}">
+                <a16:creationId xmlns:a16="http://schemas.microsoft.com/office/drawing/2014/main" id="{27C866BE-1C1A-E51D-2EDB-AB599AE59D1E}"/>
+              </a:ext>
+            </a:extLst>
+          </p:cNvPr>
+          <p:cNvSpPr>
+            <a:spLocks noGrp="1"/>
+          </p:cNvSpPr>
+          <p:nvPr>
+            <p:ph type="title"/>
+          </p:nvPr>
+        </p:nvSpPr>
+        <p:spPr>
+          <a:xfrm>
+            <a:off x="394447" y="108220"/>
+            <a:ext cx="10560424" cy="770321"/>
+          </a:xfrm>
+        </p:spPr>
+        <p:txBody>
+          <a:bodyPr/>
+          <a:lstStyle/>
+          <a:p>
+            <a:r>
+              <a:rPr lang="en-US" dirty="0"/>
+              <a:t>Comparison Delegate with Lambda Expression</a:t>
+            </a:r>
+          </a:p>
+        </p:txBody>
+      </p:sp>
+      <p:sp>
+        <p:nvSpPr>
+          <p:cNvPr id="3" name="Text Placeholder 2">
+            <a:extLst>
+              <a:ext uri="{FF2B5EF4-FFF2-40B4-BE49-F238E27FC236}">
+                <a16:creationId xmlns:a16="http://schemas.microsoft.com/office/drawing/2014/main" id="{9FB813DF-7ACD-B87C-05A6-66FEAFEA0AF8}"/>
+              </a:ext>
+            </a:extLst>
+          </p:cNvPr>
+          <p:cNvSpPr>
+            <a:spLocks noGrp="1"/>
+          </p:cNvSpPr>
+          <p:nvPr>
+            <p:ph type="body" idx="1"/>
+          </p:nvPr>
+        </p:nvSpPr>
+        <p:spPr>
+          <a:xfrm>
+            <a:off x="475129" y="815788"/>
+            <a:ext cx="11385177" cy="5933992"/>
+          </a:xfrm>
+        </p:spPr>
+        <p:txBody>
+          <a:bodyPr/>
+          <a:lstStyle/>
+          <a:p>
+            <a:pPr marL="152396" indent="0">
+              <a:buNone/>
+            </a:pPr>
+            <a:r>
+              <a:rPr lang="en-US" dirty="0" err="1">
+                <a:solidFill>
+                  <a:srgbClr val="FF0000"/>
+                </a:solidFill>
+              </a:rPr>
+              <a:t>listEmployees.Sort</a:t>
+            </a:r>
+            <a:r>
+              <a:rPr lang="en-US" dirty="0">
+                <a:solidFill>
+                  <a:srgbClr val="FF0000"/>
+                </a:solidFill>
+              </a:rPr>
+              <a:t>((e1, e2) =&gt; e1.Name.CompareTo(e2.Name));</a:t>
+            </a:r>
+          </a:p>
+          <a:p>
+            <a:pPr marL="152396" indent="0">
+              <a:buNone/>
+            </a:pPr>
+            <a:endParaRPr lang="en-US" dirty="0">
+              <a:solidFill>
+                <a:srgbClr val="FF0000"/>
+              </a:solidFill>
+            </a:endParaRPr>
+          </a:p>
+        </p:txBody>
+      </p:sp>
+      <p:pic>
+        <p:nvPicPr>
+          <p:cNvPr id="5" name="Picture 4">
+            <a:extLst>
+              <a:ext uri="{FF2B5EF4-FFF2-40B4-BE49-F238E27FC236}">
+                <a16:creationId xmlns:a16="http://schemas.microsoft.com/office/drawing/2014/main" id="{3E157D4A-3371-E341-919A-58E0E6FFD0D2}"/>
+              </a:ext>
+            </a:extLst>
+          </p:cNvPr>
+          <p:cNvPicPr>
+            <a:picLocks noChangeAspect="1"/>
+          </p:cNvPicPr>
+          <p:nvPr/>
+        </p:nvPicPr>
+        <p:blipFill rotWithShape="1">
+          <a:blip r:embed="rId2"/>
+          <a:srcRect l="1340"/>
+          <a:stretch/>
+        </p:blipFill>
+        <p:spPr>
+          <a:xfrm>
+            <a:off x="331694" y="2231782"/>
+            <a:ext cx="9238268" cy="1969020"/>
+          </a:xfrm>
+          <a:prstGeom prst="rect">
+            <a:avLst/>
+          </a:prstGeom>
+        </p:spPr>
+      </p:pic>
+      <p:pic>
+        <p:nvPicPr>
+          <p:cNvPr id="7" name="Picture 6">
+            <a:extLst>
+              <a:ext uri="{FF2B5EF4-FFF2-40B4-BE49-F238E27FC236}">
+                <a16:creationId xmlns:a16="http://schemas.microsoft.com/office/drawing/2014/main" id="{470C5ABA-303C-F2A2-4049-C1D6B17942F5}"/>
+              </a:ext>
+            </a:extLst>
+          </p:cNvPr>
+          <p:cNvPicPr>
+            <a:picLocks noChangeAspect="1"/>
+          </p:cNvPicPr>
+          <p:nvPr/>
+        </p:nvPicPr>
+        <p:blipFill rotWithShape="1">
+          <a:blip r:embed="rId3"/>
+          <a:srcRect l="3853"/>
+          <a:stretch/>
+        </p:blipFill>
+        <p:spPr>
+          <a:xfrm>
+            <a:off x="9762565" y="2373212"/>
+            <a:ext cx="1905138" cy="1686160"/>
+          </a:xfrm>
+          <a:prstGeom prst="rect">
+            <a:avLst/>
+          </a:prstGeom>
+        </p:spPr>
+      </p:pic>
+    </p:spTree>
+    <p:extLst>
+      <p:ext uri="{BB962C8B-B14F-4D97-AF65-F5344CB8AC3E}">
+        <p14:creationId xmlns:p14="http://schemas.microsoft.com/office/powerpoint/2010/main" val="3647136264"/>
       </p:ext>
     </p:extLst>
   </p:cSld>
